--- a/Group 1 Presentation-Valentina.pptx
+++ b/Group 1 Presentation-Valentina.pptx
@@ -6428,7 +6428,7 @@
           <a:p>
             <a:pPr algn="l"/>
             <a:r>
-              <a:rPr lang="en-US" sz="3200">
+              <a:rPr lang="en-US" sz="3200" dirty="0">
                 <a:effectLst>
                   <a:glow rad="38100">
                     <a:schemeClr val="bg1">
@@ -6447,7 +6447,7 @@
               <a:t>Project 1:</a:t>
             </a:r>
             <a:br>
-              <a:rPr lang="en-US" sz="3200">
+              <a:rPr lang="en-US" sz="3200" dirty="0">
                 <a:effectLst>
                   <a:glow rad="38100">
                     <a:schemeClr val="bg1">
@@ -6465,7 +6465,7 @@
               </a:rPr>
             </a:br>
             <a:br>
-              <a:rPr lang="en-US" sz="3200">
+              <a:rPr lang="en-US" sz="3200" dirty="0">
                 <a:effectLst>
                   <a:glow rad="38100">
                     <a:schemeClr val="bg1">
@@ -6483,7 +6483,7 @@
               </a:rPr>
             </a:br>
             <a:r>
-              <a:rPr lang="en-US" sz="3200">
+              <a:rPr lang="en-US" sz="3200" dirty="0">
                 <a:effectLst>
                   <a:glow rad="38100">
                     <a:schemeClr val="bg1">
@@ -6504,7 +6504,7 @@
           </a:p>
           <a:p>
             <a:pPr algn="l"/>
-            <a:endParaRPr lang="en-US" sz="3200">
+            <a:endParaRPr lang="en-US" sz="3200" dirty="0">
               <a:effectLst>
                 <a:glow rad="38100">
                   <a:schemeClr val="bg1">
@@ -9782,36 +9782,6 @@
           </a:p>
         </p:txBody>
       </p:sp>
-      <p:pic>
-        <p:nvPicPr>
-          <p:cNvPr id="6" name="Picture 5" descr="Chart, bar chart&#10;&#10;Description automatically generated">
-            <a:extLst>
-              <a:ext uri="{FF2B5EF4-FFF2-40B4-BE49-F238E27FC236}">
-                <a16:creationId xmlns:a16="http://schemas.microsoft.com/office/drawing/2014/main" id="{A79948AE-9829-D288-B605-E33EA9178EF0}"/>
-              </a:ext>
-            </a:extLst>
-          </p:cNvPr>
-          <p:cNvPicPr>
-            <a:picLocks noChangeAspect="1"/>
-          </p:cNvPicPr>
-          <p:nvPr/>
-        </p:nvPicPr>
-        <p:blipFill>
-          <a:blip r:embed="rId6"/>
-          <a:stretch>
-            <a:fillRect/>
-          </a:stretch>
-        </p:blipFill>
-        <p:spPr>
-          <a:xfrm>
-            <a:off x="924913" y="2982889"/>
-            <a:ext cx="3892679" cy="2919510"/>
-          </a:xfrm>
-          <a:prstGeom prst="rect">
-            <a:avLst/>
-          </a:prstGeom>
-        </p:spPr>
-      </p:pic>
       <p:sp>
         <p:nvSpPr>
           <p:cNvPr id="9" name="Content Placeholder 2">
@@ -10425,7 +10395,7 @@
                 <a:ea typeface="+mn-lt"/>
                 <a:cs typeface="+mn-lt"/>
               </a:rPr>
-              <a:t>Average IMDB rating for documentaries is 7.13, which is comparatively higher than other genres.</a:t>
+              <a:t>Average IMDB rating for documentaries is 7.08, which is comparatively higher than other genres.</a:t>
             </a:r>
           </a:p>
           <a:p>
@@ -10473,6 +10443,36 @@
           </a:p>
         </p:txBody>
       </p:sp>
+      <p:pic>
+        <p:nvPicPr>
+          <p:cNvPr id="4" name="Picture 3" descr="Chart, bar chart&#10;&#10;Description automatically generated">
+            <a:extLst>
+              <a:ext uri="{FF2B5EF4-FFF2-40B4-BE49-F238E27FC236}">
+                <a16:creationId xmlns:a16="http://schemas.microsoft.com/office/drawing/2014/main" id="{78FA9B85-427A-95A8-6031-15A2AC7A1C81}"/>
+              </a:ext>
+            </a:extLst>
+          </p:cNvPr>
+          <p:cNvPicPr>
+            <a:picLocks noChangeAspect="1"/>
+          </p:cNvPicPr>
+          <p:nvPr/>
+        </p:nvPicPr>
+        <p:blipFill>
+          <a:blip r:embed="rId6"/>
+          <a:stretch>
+            <a:fillRect/>
+          </a:stretch>
+        </p:blipFill>
+        <p:spPr>
+          <a:xfrm>
+            <a:off x="959045" y="2544464"/>
+            <a:ext cx="4572557" cy="3429418"/>
+          </a:xfrm>
+          <a:prstGeom prst="rect">
+            <a:avLst/>
+          </a:prstGeom>
+        </p:spPr>
+      </p:pic>
     </p:spTree>
     <p:extLst>
       <p:ext uri="{BB962C8B-B14F-4D97-AF65-F5344CB8AC3E}">
